--- a/Battle of The Neighborhoods Part 2 PPT.pptx
+++ b/Battle of The Neighborhoods Part 2 PPT.pptx
@@ -15,8 +15,9 @@
     <p:sldId id="274" r:id="rId9"/>
     <p:sldId id="266" r:id="rId10"/>
     <p:sldId id="267" r:id="rId11"/>
-    <p:sldId id="268" r:id="rId12"/>
-    <p:sldId id="269" r:id="rId13"/>
+    <p:sldId id="275" r:id="rId12"/>
+    <p:sldId id="268" r:id="rId13"/>
+    <p:sldId id="269" r:id="rId14"/>
   </p:sldIdLst>
   <p:sldSz cx="9144000" cy="6858000" type="screen4x3"/>
   <p:notesSz cx="6858000" cy="9144000"/>
@@ -115,6 +116,11 @@
       </a:defRPr>
     </a:lvl9pPr>
   </p:defaultTextStyle>
+  <p:extLst>
+    <p:ext uri="{EFAFB233-063F-42B5-8137-9DF3F51BA10A}">
+      <p15:sldGuideLst xmlns:p15="http://schemas.microsoft.com/office/powerpoint/2012/main"/>
+    </p:ext>
+  </p:extLst>
 </p:presentation>
 </file>
 
@@ -405,7 +411,7 @@
           <a:p>
             <a:fld id="{55235112-ECC1-432D-9ED3-EB4ED91B2E26}" type="datetimeFigureOut">
               <a:rPr lang="en-US" smtClean="0"/>
-              <a:t>6/28/2021</a:t>
+              <a:t>7/5/2021</a:t>
             </a:fld>
             <a:endParaRPr lang="en-US"/>
           </a:p>
@@ -723,7 +729,7 @@
           <a:p>
             <a:fld id="{55235112-ECC1-432D-9ED3-EB4ED91B2E26}" type="datetimeFigureOut">
               <a:rPr lang="en-US" smtClean="0"/>
-              <a:t>6/28/2021</a:t>
+              <a:t>7/5/2021</a:t>
             </a:fld>
             <a:endParaRPr lang="en-US"/>
           </a:p>
@@ -1211,7 +1217,7 @@
           <a:p>
             <a:fld id="{55235112-ECC1-432D-9ED3-EB4ED91B2E26}" type="datetimeFigureOut">
               <a:rPr lang="en-US" smtClean="0"/>
-              <a:t>6/28/2021</a:t>
+              <a:t>7/5/2021</a:t>
             </a:fld>
             <a:endParaRPr lang="en-US"/>
           </a:p>
@@ -1580,7 +1586,7 @@
           <a:p>
             <a:fld id="{55235112-ECC1-432D-9ED3-EB4ED91B2E26}" type="datetimeFigureOut">
               <a:rPr lang="en-US" smtClean="0"/>
-              <a:t>6/28/2021</a:t>
+              <a:t>7/5/2021</a:t>
             </a:fld>
             <a:endParaRPr lang="en-US"/>
           </a:p>
@@ -1853,7 +1859,7 @@
           <a:p>
             <a:fld id="{55235112-ECC1-432D-9ED3-EB4ED91B2E26}" type="datetimeFigureOut">
               <a:rPr lang="en-US" smtClean="0"/>
-              <a:t>6/28/2021</a:t>
+              <a:t>7/5/2021</a:t>
             </a:fld>
             <a:endParaRPr lang="en-US"/>
           </a:p>
@@ -2179,7 +2185,7 @@
           <a:p>
             <a:fld id="{55235112-ECC1-432D-9ED3-EB4ED91B2E26}" type="datetimeFigureOut">
               <a:rPr lang="en-US" smtClean="0"/>
-              <a:t>6/28/2021</a:t>
+              <a:t>7/5/2021</a:t>
             </a:fld>
             <a:endParaRPr lang="en-US"/>
           </a:p>
@@ -2457,7 +2463,7 @@
           <a:p>
             <a:fld id="{55235112-ECC1-432D-9ED3-EB4ED91B2E26}" type="datetimeFigureOut">
               <a:rPr lang="en-US" smtClean="0"/>
-              <a:t>6/28/2021</a:t>
+              <a:t>7/5/2021</a:t>
             </a:fld>
             <a:endParaRPr lang="en-US"/>
           </a:p>
@@ -2800,7 +2806,7 @@
           <a:p>
             <a:fld id="{55235112-ECC1-432D-9ED3-EB4ED91B2E26}" type="datetimeFigureOut">
               <a:rPr lang="en-US" smtClean="0"/>
-              <a:t>6/28/2021</a:t>
+              <a:t>7/5/2021</a:t>
             </a:fld>
             <a:endParaRPr lang="en-US"/>
           </a:p>
@@ -3139,7 +3145,7 @@
           <a:p>
             <a:fld id="{55235112-ECC1-432D-9ED3-EB4ED91B2E26}" type="datetimeFigureOut">
               <a:rPr lang="en-US" smtClean="0"/>
-              <a:t>6/28/2021</a:t>
+              <a:t>7/5/2021</a:t>
             </a:fld>
             <a:endParaRPr lang="en-US"/>
           </a:p>
@@ -3616,7 +3622,7 @@
           <a:p>
             <a:fld id="{55235112-ECC1-432D-9ED3-EB4ED91B2E26}" type="datetimeFigureOut">
               <a:rPr lang="en-US" smtClean="0"/>
-              <a:t>6/28/2021</a:t>
+              <a:t>7/5/2021</a:t>
             </a:fld>
             <a:endParaRPr lang="en-US"/>
           </a:p>
@@ -3837,7 +3843,7 @@
           <a:p>
             <a:fld id="{55235112-ECC1-432D-9ED3-EB4ED91B2E26}" type="datetimeFigureOut">
               <a:rPr lang="en-US" smtClean="0"/>
-              <a:t>6/28/2021</a:t>
+              <a:t>7/5/2021</a:t>
             </a:fld>
             <a:endParaRPr lang="en-US"/>
           </a:p>
@@ -3932,7 +3938,7 @@
           <a:p>
             <a:fld id="{55235112-ECC1-432D-9ED3-EB4ED91B2E26}" type="datetimeFigureOut">
               <a:rPr lang="en-US" smtClean="0"/>
-              <a:t>6/28/2021</a:t>
+              <a:t>7/5/2021</a:t>
             </a:fld>
             <a:endParaRPr lang="en-US"/>
           </a:p>
@@ -4399,7 +4405,7 @@
           <a:p>
             <a:fld id="{55235112-ECC1-432D-9ED3-EB4ED91B2E26}" type="datetimeFigureOut">
               <a:rPr lang="en-US" smtClean="0"/>
-              <a:t>6/28/2021</a:t>
+              <a:t>7/5/2021</a:t>
             </a:fld>
             <a:endParaRPr lang="en-US"/>
           </a:p>
@@ -4712,7 +4718,7 @@
           <a:p>
             <a:fld id="{55235112-ECC1-432D-9ED3-EB4ED91B2E26}" type="datetimeFigureOut">
               <a:rPr lang="en-US" smtClean="0"/>
-              <a:t>6/28/2021</a:t>
+              <a:t>7/5/2021</a:t>
             </a:fld>
             <a:endParaRPr lang="en-US"/>
           </a:p>
@@ -4982,7 +4988,7 @@
           <a:p>
             <a:fld id="{55235112-ECC1-432D-9ED3-EB4ED91B2E26}" type="datetimeFigureOut">
               <a:rPr lang="en-US" smtClean="0"/>
-              <a:t>6/28/2021</a:t>
+              <a:t>7/5/2021</a:t>
             </a:fld>
             <a:endParaRPr lang="en-US"/>
           </a:p>
@@ -5533,7 +5539,7 @@
         </p:spPr>
         <p:txBody>
           <a:bodyPr>
-            <a:normAutofit lnSpcReduction="10000"/>
+            <a:normAutofit/>
           </a:bodyPr>
           <a:lstStyle/>
           <a:p>
@@ -5591,20 +5597,23 @@
           <a:p>
             <a:r>
               <a:rPr lang="en-US" dirty="0"/>
-              <a:t>Depending on stakeholder preference, my primary recommendation for opening a restaurant would be to locate in University Park.</a:t>
-            </a:r>
-          </a:p>
-          <a:p>
+              <a:t>Depending on stakeholder preference, my </a:t>
+            </a:r>
+            <a:r>
+              <a:rPr lang="en-US" b="1" u="sng" dirty="0"/>
+              <a:t>primary recommendation</a:t>
+            </a:r>
             <a:r>
               <a:rPr lang="en-US" dirty="0"/>
-              <a:t>Note: At this point I would take additional steps to answer the problem set to add context for the stakeholders. Research could be done to determine the type and disposition of existing Chinese restaurants in the area and types of restaurants in indicated areas, but that would branch outside of the toolset of this course.</a:t>
-            </a:r>
-          </a:p>
-          <a:p>
-            <a:pPr lvl="1"/>
+              <a:t> for opening a restaurant would be to locate in </a:t>
+            </a:r>
+            <a:r>
+              <a:rPr lang="en-US" b="1" u="sng" dirty="0"/>
+              <a:t>University Park</a:t>
+            </a:r>
             <a:r>
               <a:rPr lang="en-US" dirty="0"/>
-              <a:t>Example: I would survey the quality of food being served based off personal experience. Normally pictures would be enough, but that’s because I specialize in Asian demographics.</a:t>
+              <a:t>.</a:t>
             </a:r>
           </a:p>
         </p:txBody>
@@ -5649,6 +5658,100 @@
             <p:ph type="title"/>
           </p:nvPr>
         </p:nvSpPr>
+        <p:spPr/>
+        <p:txBody>
+          <a:bodyPr/>
+          <a:lstStyle/>
+          <a:p>
+            <a:r>
+              <a:rPr lang="en-US" dirty="0"/>
+              <a:t>5. Conclusion</a:t>
+            </a:r>
+          </a:p>
+        </p:txBody>
+      </p:sp>
+      <p:sp>
+        <p:nvSpPr>
+          <p:cNvPr id="3" name="Content Placeholder 2"/>
+          <p:cNvSpPr>
+            <a:spLocks noGrp="1"/>
+          </p:cNvSpPr>
+          <p:nvPr>
+            <p:ph idx="1"/>
+          </p:nvPr>
+        </p:nvSpPr>
+        <p:spPr>
+          <a:xfrm>
+            <a:off x="0" y="2222287"/>
+            <a:ext cx="9143999" cy="4454960"/>
+          </a:xfrm>
+        </p:spPr>
+        <p:txBody>
+          <a:bodyPr>
+            <a:normAutofit/>
+          </a:bodyPr>
+          <a:lstStyle/>
+          <a:p>
+            <a:r>
+              <a:rPr lang="en-US" dirty="0"/>
+              <a:t>In conclusion, 70% of the most affluent neighborhoods in Dallas are good candidates for establishing an authentic Chinese restaurant.</a:t>
+            </a:r>
+          </a:p>
+          <a:p>
+            <a:r>
+              <a:rPr lang="en-US" dirty="0"/>
+              <a:t>At this point I would take additional steps to answer the problem set to add context for the stakeholders. Research could be done to determine the type and disposition of existing Chinese restaurants in the area and types of restaurants in indicated areas, but that would branch outside of the toolset of this course.</a:t>
+            </a:r>
+          </a:p>
+          <a:p>
+            <a:pPr lvl="1"/>
+            <a:r>
+              <a:rPr lang="en-US" dirty="0"/>
+              <a:t>Example: I would survey the quality of food being served based off personal experience. Normally pictures would be enough, but that’s because I specialize in Asian demographics.</a:t>
+            </a:r>
+          </a:p>
+        </p:txBody>
+      </p:sp>
+    </p:spTree>
+    <p:extLst>
+      <p:ext uri="{BB962C8B-B14F-4D97-AF65-F5344CB8AC3E}">
+        <p14:creationId xmlns:p14="http://schemas.microsoft.com/office/powerpoint/2010/main" val="874668090"/>
+      </p:ext>
+    </p:extLst>
+  </p:cSld>
+  <p:clrMapOvr>
+    <a:masterClrMapping/>
+  </p:clrMapOvr>
+</p:sld>
+</file>
+
+<file path=ppt/slides/slide12.xml><?xml version="1.0" encoding="utf-8"?>
+<p:sld xmlns:a="http://schemas.openxmlformats.org/drawingml/2006/main" xmlns:r="http://schemas.openxmlformats.org/officeDocument/2006/relationships" xmlns:p="http://schemas.openxmlformats.org/presentationml/2006/main">
+  <p:cSld>
+    <p:spTree>
+      <p:nvGrpSpPr>
+        <p:cNvPr id="1" name=""/>
+        <p:cNvGrpSpPr/>
+        <p:nvPr/>
+      </p:nvGrpSpPr>
+      <p:grpSpPr>
+        <a:xfrm>
+          <a:off x="0" y="0"/>
+          <a:ext cx="0" cy="0"/>
+          <a:chOff x="0" y="0"/>
+          <a:chExt cx="0" cy="0"/>
+        </a:xfrm>
+      </p:grpSpPr>
+      <p:sp>
+        <p:nvSpPr>
+          <p:cNvPr id="2" name="Title 1"/>
+          <p:cNvSpPr>
+            <a:spLocks noGrp="1"/>
+          </p:cNvSpPr>
+          <p:nvPr>
+            <p:ph type="title"/>
+          </p:nvPr>
+        </p:nvSpPr>
         <p:spPr>
           <a:xfrm>
             <a:off x="0" y="447188"/>
@@ -5895,7 +5998,7 @@
 </p:sld>
 </file>
 
-<file path=ppt/slides/slide12.xml><?xml version="1.0" encoding="utf-8"?>
+<file path=ppt/slides/slide13.xml><?xml version="1.0" encoding="utf-8"?>
 <p:sld xmlns:a="http://schemas.openxmlformats.org/drawingml/2006/main" xmlns:r="http://schemas.openxmlformats.org/officeDocument/2006/relationships" xmlns:p="http://schemas.openxmlformats.org/presentationml/2006/main">
   <p:cSld>
     <p:spTree>
@@ -10085,7 +10188,15 @@
           <a:p>
             <a:r>
               <a:rPr lang="en-US" dirty="0"/>
-              <a:t>The data shows that most of the affluent neighborhoods in Dallas have no existing Chinese restaurants, but do have almost half the of existing restaurants within the city. Competition with other restaurants would be high, but competition with other Chinese restaurants would be virtually nonexistent. This indicates that these would be good areas to establish an authentic Chinese restaurant.</a:t>
+              <a:t>The data shows that most of the affluent neighborhoods in Dallas have no existing Chinese restaurants, but do have almost half the of existing restaurants within the city. </a:t>
+            </a:r>
+            <a:r>
+              <a:rPr lang="en-US" b="1" u="sng" dirty="0"/>
+              <a:t>Competition with other restaurants would be high, but competition with other Chinese restaurants would be virtually nonexistent.</a:t>
+            </a:r>
+            <a:r>
+              <a:rPr lang="en-US" dirty="0"/>
+              <a:t> This indicates that these would be good areas to establish an authentic Chinese restaurant.</a:t>
             </a:r>
           </a:p>
         </p:txBody>
